--- a/slides/cds431_week3_1.pptx
+++ b/slides/cds431_week3_1.pptx
@@ -5,16 +5,17 @@
     <p:sldMasterId id="2147483648" r:id="rId1"/>
   </p:sldMasterIdLst>
   <p:notesMasterIdLst>
-    <p:notesMasterId r:id="rId9"/>
+    <p:notesMasterId r:id="rId10"/>
   </p:notesMasterIdLst>
   <p:sldIdLst>
     <p:sldId id="390" r:id="rId2"/>
-    <p:sldId id="391" r:id="rId3"/>
-    <p:sldId id="557" r:id="rId4"/>
-    <p:sldId id="392" r:id="rId5"/>
-    <p:sldId id="393" r:id="rId6"/>
-    <p:sldId id="517" r:id="rId7"/>
-    <p:sldId id="394" r:id="rId8"/>
+    <p:sldId id="558" r:id="rId3"/>
+    <p:sldId id="391" r:id="rId4"/>
+    <p:sldId id="557" r:id="rId5"/>
+    <p:sldId id="392" r:id="rId6"/>
+    <p:sldId id="393" r:id="rId7"/>
+    <p:sldId id="517" r:id="rId8"/>
+    <p:sldId id="394" r:id="rId9"/>
   </p:sldIdLst>
   <p:sldSz cx="12192000" cy="6858000"/>
   <p:notesSz cx="6858000" cy="9144000"/>
@@ -203,7 +204,7 @@
           <a:p>
             <a:fld id="{F01B0C5B-6AC4-4E44-99B5-271F1AF86AF6}" type="datetimeFigureOut">
               <a:rPr lang="en-US" smtClean="0"/>
-              <a:t>1/11/22</a:t>
+              <a:t>2/3/22</a:t>
             </a:fld>
             <a:endParaRPr lang="en-US"/>
           </a:p>
@@ -552,7 +553,7 @@
           <a:p>
             <a:fld id="{AA0A589D-B577-494C-AEB5-A5D4F1908003}" type="slidenum">
               <a:rPr lang="en-US" smtClean="0"/>
-              <a:t>2</a:t>
+              <a:t>3</a:t>
             </a:fld>
             <a:endParaRPr lang="en-US"/>
           </a:p>
@@ -636,7 +637,7 @@
           <a:p>
             <a:fld id="{AA0A589D-B577-494C-AEB5-A5D4F1908003}" type="slidenum">
               <a:rPr lang="en-US" smtClean="0"/>
-              <a:t>5</a:t>
+              <a:t>6</a:t>
             </a:fld>
             <a:endParaRPr lang="en-US"/>
           </a:p>
@@ -727,7 +728,7 @@
           <a:p>
             <a:fld id="{AA0A589D-B577-494C-AEB5-A5D4F1908003}" type="slidenum">
               <a:rPr lang="en-US" smtClean="0"/>
-              <a:t>7</a:t>
+              <a:t>8</a:t>
             </a:fld>
             <a:endParaRPr lang="en-US"/>
           </a:p>
@@ -893,7 +894,7 @@
           <a:p>
             <a:fld id="{015D8EB0-2C7B-B347-A87E-0659F0F91EA4}" type="datetimeFigureOut">
               <a:rPr lang="en-US" smtClean="0"/>
-              <a:t>1/11/22</a:t>
+              <a:t>2/3/22</a:t>
             </a:fld>
             <a:endParaRPr lang="en-US"/>
           </a:p>
@@ -1091,7 +1092,7 @@
           <a:p>
             <a:fld id="{015D8EB0-2C7B-B347-A87E-0659F0F91EA4}" type="datetimeFigureOut">
               <a:rPr lang="en-US" smtClean="0"/>
-              <a:t>1/11/22</a:t>
+              <a:t>2/3/22</a:t>
             </a:fld>
             <a:endParaRPr lang="en-US"/>
           </a:p>
@@ -1299,7 +1300,7 @@
           <a:p>
             <a:fld id="{015D8EB0-2C7B-B347-A87E-0659F0F91EA4}" type="datetimeFigureOut">
               <a:rPr lang="en-US" smtClean="0"/>
-              <a:t>1/11/22</a:t>
+              <a:t>2/3/22</a:t>
             </a:fld>
             <a:endParaRPr lang="en-US"/>
           </a:p>
@@ -1497,7 +1498,7 @@
           <a:p>
             <a:fld id="{015D8EB0-2C7B-B347-A87E-0659F0F91EA4}" type="datetimeFigureOut">
               <a:rPr lang="en-US" smtClean="0"/>
-              <a:t>1/11/22</a:t>
+              <a:t>2/3/22</a:t>
             </a:fld>
             <a:endParaRPr lang="en-US"/>
           </a:p>
@@ -1772,7 +1773,7 @@
           <a:p>
             <a:fld id="{015D8EB0-2C7B-B347-A87E-0659F0F91EA4}" type="datetimeFigureOut">
               <a:rPr lang="en-US" smtClean="0"/>
-              <a:t>1/11/22</a:t>
+              <a:t>2/3/22</a:t>
             </a:fld>
             <a:endParaRPr lang="en-US"/>
           </a:p>
@@ -2037,7 +2038,7 @@
           <a:p>
             <a:fld id="{015D8EB0-2C7B-B347-A87E-0659F0F91EA4}" type="datetimeFigureOut">
               <a:rPr lang="en-US" smtClean="0"/>
-              <a:t>1/11/22</a:t>
+              <a:t>2/3/22</a:t>
             </a:fld>
             <a:endParaRPr lang="en-US"/>
           </a:p>
@@ -2449,7 +2450,7 @@
           <a:p>
             <a:fld id="{015D8EB0-2C7B-B347-A87E-0659F0F91EA4}" type="datetimeFigureOut">
               <a:rPr lang="en-US" smtClean="0"/>
-              <a:t>1/11/22</a:t>
+              <a:t>2/3/22</a:t>
             </a:fld>
             <a:endParaRPr lang="en-US"/>
           </a:p>
@@ -2590,7 +2591,7 @@
           <a:p>
             <a:fld id="{015D8EB0-2C7B-B347-A87E-0659F0F91EA4}" type="datetimeFigureOut">
               <a:rPr lang="en-US" smtClean="0"/>
-              <a:t>1/11/22</a:t>
+              <a:t>2/3/22</a:t>
             </a:fld>
             <a:endParaRPr lang="en-US"/>
           </a:p>
@@ -2703,7 +2704,7 @@
           <a:p>
             <a:fld id="{015D8EB0-2C7B-B347-A87E-0659F0F91EA4}" type="datetimeFigureOut">
               <a:rPr lang="en-US" smtClean="0"/>
-              <a:t>1/11/22</a:t>
+              <a:t>2/3/22</a:t>
             </a:fld>
             <a:endParaRPr lang="en-US"/>
           </a:p>
@@ -3014,7 +3015,7 @@
           <a:p>
             <a:fld id="{015D8EB0-2C7B-B347-A87E-0659F0F91EA4}" type="datetimeFigureOut">
               <a:rPr lang="en-US" smtClean="0"/>
-              <a:t>1/11/22</a:t>
+              <a:t>2/3/22</a:t>
             </a:fld>
             <a:endParaRPr lang="en-US"/>
           </a:p>
@@ -3302,7 +3303,7 @@
           <a:p>
             <a:fld id="{015D8EB0-2C7B-B347-A87E-0659F0F91EA4}" type="datetimeFigureOut">
               <a:rPr lang="en-US" smtClean="0"/>
-              <a:t>1/11/22</a:t>
+              <a:t>2/3/22</a:t>
             </a:fld>
             <a:endParaRPr lang="en-US"/>
           </a:p>
@@ -3573,7 +3574,7 @@
           <a:p>
             <a:fld id="{015D8EB0-2C7B-B347-A87E-0659F0F91EA4}" type="datetimeFigureOut">
               <a:rPr lang="en-US" smtClean="0"/>
-              <a:t>1/11/22</a:t>
+              <a:t>2/3/22</a:t>
             </a:fld>
             <a:endParaRPr lang="en-US"/>
           </a:p>
@@ -4066,6 +4067,71 @@
           </a:p>
         </p:txBody>
       </p:sp>
+      <p:pic>
+        <p:nvPicPr>
+          <p:cNvPr id="3" name="Picture 2">
+            <a:extLst>
+              <a:ext uri="{FF2B5EF4-FFF2-40B4-BE49-F238E27FC236}">
+                <a16:creationId xmlns:a16="http://schemas.microsoft.com/office/drawing/2014/main" id="{44C8C60D-53DF-B744-A184-76129803C458}"/>
+              </a:ext>
+            </a:extLst>
+          </p:cNvPr>
+          <p:cNvPicPr>
+            <a:picLocks noChangeAspect="1"/>
+          </p:cNvPicPr>
+          <p:nvPr/>
+        </p:nvPicPr>
+        <p:blipFill>
+          <a:blip r:embed="rId2"/>
+          <a:stretch>
+            <a:fillRect/>
+          </a:stretch>
+        </p:blipFill>
+        <p:spPr>
+          <a:xfrm>
+            <a:off x="4111171" y="2621642"/>
+            <a:ext cx="7772400" cy="2311400"/>
+          </a:xfrm>
+          <a:prstGeom prst="rect">
+            <a:avLst/>
+          </a:prstGeom>
+        </p:spPr>
+      </p:pic>
+      <p:sp>
+        <p:nvSpPr>
+          <p:cNvPr id="4" name="TextBox 3">
+            <a:extLst>
+              <a:ext uri="{FF2B5EF4-FFF2-40B4-BE49-F238E27FC236}">
+                <a16:creationId xmlns:a16="http://schemas.microsoft.com/office/drawing/2014/main" id="{757AAC2D-8FF0-D64F-90A4-C6957B556B1A}"/>
+              </a:ext>
+            </a:extLst>
+          </p:cNvPr>
+          <p:cNvSpPr txBox="1"/>
+          <p:nvPr/>
+        </p:nvSpPr>
+        <p:spPr>
+          <a:xfrm>
+            <a:off x="1785258" y="2854012"/>
+            <a:ext cx="2148113" cy="923330"/>
+          </a:xfrm>
+          <a:prstGeom prst="rect">
+            <a:avLst/>
+          </a:prstGeom>
+          <a:noFill/>
+        </p:spPr>
+        <p:txBody>
+          <a:bodyPr wrap="square" rtlCol="0">
+            <a:spAutoFit/>
+          </a:bodyPr>
+          <a:lstStyle/>
+          <a:p>
+            <a:r>
+              <a:rPr lang="en-US" dirty="0"/>
+              <a:t>DEAP Percentage of Occurrence of Error Patterns</a:t>
+            </a:r>
+          </a:p>
+        </p:txBody>
+      </p:sp>
     </p:spTree>
     <p:extLst>
       <p:ext uri="{BB962C8B-B14F-4D97-AF65-F5344CB8AC3E}">
@@ -4096,6 +4162,66 @@
           <a:chExt cx="0" cy="0"/>
         </a:xfrm>
       </p:grpSpPr>
+      <p:pic>
+        <p:nvPicPr>
+          <p:cNvPr id="2" name="Picture 1">
+            <a:extLst>
+              <a:ext uri="{FF2B5EF4-FFF2-40B4-BE49-F238E27FC236}">
+                <a16:creationId xmlns:a16="http://schemas.microsoft.com/office/drawing/2014/main" id="{FE2FEBAD-7BF1-894F-8B9F-29CEEDB5F7B2}"/>
+              </a:ext>
+            </a:extLst>
+          </p:cNvPr>
+          <p:cNvPicPr>
+            <a:picLocks noChangeAspect="1"/>
+          </p:cNvPicPr>
+          <p:nvPr/>
+        </p:nvPicPr>
+        <p:blipFill>
+          <a:blip r:embed="rId2"/>
+          <a:stretch>
+            <a:fillRect/>
+          </a:stretch>
+        </p:blipFill>
+        <p:spPr>
+          <a:xfrm>
+            <a:off x="2539550" y="0"/>
+            <a:ext cx="7112899" cy="6858000"/>
+          </a:xfrm>
+          <a:prstGeom prst="rect">
+            <a:avLst/>
+          </a:prstGeom>
+        </p:spPr>
+      </p:pic>
+    </p:spTree>
+    <p:extLst>
+      <p:ext uri="{BB962C8B-B14F-4D97-AF65-F5344CB8AC3E}">
+        <p14:creationId xmlns:p14="http://schemas.microsoft.com/office/powerpoint/2010/main" val="1686932957"/>
+      </p:ext>
+    </p:extLst>
+  </p:cSld>
+  <p:clrMapOvr>
+    <a:masterClrMapping/>
+  </p:clrMapOvr>
+</p:sld>
+</file>
+
+<file path=ppt/slides/slide3.xml><?xml version="1.0" encoding="utf-8"?>
+<p:sld xmlns:a="http://schemas.openxmlformats.org/drawingml/2006/main" xmlns:r="http://schemas.openxmlformats.org/officeDocument/2006/relationships" xmlns:p="http://schemas.openxmlformats.org/presentationml/2006/main">
+  <p:cSld>
+    <p:spTree>
+      <p:nvGrpSpPr>
+        <p:cNvPr id="1" name=""/>
+        <p:cNvGrpSpPr/>
+        <p:nvPr/>
+      </p:nvGrpSpPr>
+      <p:grpSpPr>
+        <a:xfrm>
+          <a:off x="0" y="0"/>
+          <a:ext cx="0" cy="0"/>
+          <a:chOff x="0" y="0"/>
+          <a:chExt cx="0" cy="0"/>
+        </a:xfrm>
+      </p:grpSpPr>
       <p:sp>
         <p:nvSpPr>
           <p:cNvPr id="2" name="Title 1"/>
@@ -4172,7 +4298,7 @@
 </p:sld>
 </file>
 
-<file path=ppt/slides/slide3.xml><?xml version="1.0" encoding="utf-8"?>
+<file path=ppt/slides/slide4.xml><?xml version="1.0" encoding="utf-8"?>
 <p:sld xmlns:a="http://schemas.openxmlformats.org/drawingml/2006/main" xmlns:r="http://schemas.openxmlformats.org/officeDocument/2006/relationships" xmlns:p="http://schemas.openxmlformats.org/presentationml/2006/main">
   <p:cSld>
     <p:spTree>
@@ -4259,174 +4385,6 @@
 </p:sld>
 </file>
 
-<file path=ppt/slides/slide4.xml><?xml version="1.0" encoding="utf-8"?>
-<p:sld xmlns:a="http://schemas.openxmlformats.org/drawingml/2006/main" xmlns:r="http://schemas.openxmlformats.org/officeDocument/2006/relationships" xmlns:p="http://schemas.openxmlformats.org/presentationml/2006/main">
-  <p:cSld>
-    <p:spTree>
-      <p:nvGrpSpPr>
-        <p:cNvPr id="1" name=""/>
-        <p:cNvGrpSpPr/>
-        <p:nvPr/>
-      </p:nvGrpSpPr>
-      <p:grpSpPr>
-        <a:xfrm>
-          <a:off x="0" y="0"/>
-          <a:ext cx="0" cy="0"/>
-          <a:chOff x="0" y="0"/>
-          <a:chExt cx="0" cy="0"/>
-        </a:xfrm>
-      </p:grpSpPr>
-      <p:sp>
-        <p:nvSpPr>
-          <p:cNvPr id="2" name="Title 1"/>
-          <p:cNvSpPr>
-            <a:spLocks noGrp="1"/>
-          </p:cNvSpPr>
-          <p:nvPr>
-            <p:ph type="title"/>
-          </p:nvPr>
-        </p:nvSpPr>
-        <p:spPr/>
-        <p:txBody>
-          <a:bodyPr/>
-          <a:lstStyle/>
-          <a:p>
-            <a:r>
-              <a:rPr lang="en-US" dirty="0"/>
-              <a:t>Speech- Sound Probes</a:t>
-            </a:r>
-          </a:p>
-        </p:txBody>
-      </p:sp>
-      <p:sp>
-        <p:nvSpPr>
-          <p:cNvPr id="3" name="Content Placeholder 2"/>
-          <p:cNvSpPr>
-            <a:spLocks noGrp="1"/>
-          </p:cNvSpPr>
-          <p:nvPr>
-            <p:ph idx="1"/>
-          </p:nvPr>
-        </p:nvSpPr>
-        <p:spPr>
-          <a:xfrm>
-            <a:off x="2152650" y="1390910"/>
-            <a:ext cx="7886700" cy="4874979"/>
-          </a:xfrm>
-        </p:spPr>
-        <p:txBody>
-          <a:bodyPr>
-            <a:normAutofit/>
-          </a:bodyPr>
-          <a:lstStyle/>
-          <a:p>
-            <a:r>
-              <a:rPr lang="en-US" sz="2000" dirty="0"/>
-              <a:t>After scoring the DEAP, the SLPs administered 5 informal speech error probes to learn more about Matthew’s speech error patterns and determine baseline functioning.  </a:t>
-            </a:r>
-          </a:p>
-          <a:p>
-            <a:r>
-              <a:rPr lang="en-US" sz="2000" dirty="0"/>
-              <a:t>Due to time limitations, you will only be watching/scoring two speech error probes.  The results of the other three probes are as follows:</a:t>
-            </a:r>
-          </a:p>
-          <a:p>
-            <a:pPr lvl="1"/>
-            <a:r>
-              <a:rPr lang="en-US" sz="2000" dirty="0"/>
-              <a:t>r- cluster probe: 0/35 correct (0%)</a:t>
-            </a:r>
-          </a:p>
-          <a:p>
-            <a:pPr lvl="1"/>
-            <a:r>
-              <a:rPr lang="en-US" sz="2000" dirty="0"/>
-              <a:t>Stopping probe: 0/28 correct (0%)</a:t>
-            </a:r>
-          </a:p>
-          <a:p>
-            <a:pPr lvl="1"/>
-            <a:r>
-              <a:rPr lang="en-US" sz="2000" dirty="0"/>
-              <a:t>Initial </a:t>
-            </a:r>
-            <a:r>
-              <a:rPr lang="en-US" sz="2000" dirty="0" err="1"/>
-              <a:t>s+stop</a:t>
-            </a:r>
-            <a:r>
-              <a:rPr lang="en-US" sz="2000" dirty="0"/>
-              <a:t> and </a:t>
-            </a:r>
-            <a:r>
-              <a:rPr lang="en-US" sz="2000" dirty="0" err="1"/>
-              <a:t>s+nasal</a:t>
-            </a:r>
-            <a:r>
-              <a:rPr lang="en-US" sz="2000" dirty="0"/>
-              <a:t> probe: 0/35 correct (0%)</a:t>
-            </a:r>
-          </a:p>
-          <a:p>
-            <a:r>
-              <a:rPr lang="en-US" sz="2000" dirty="0"/>
-              <a:t>You will be watching the remaining two probes for:</a:t>
-            </a:r>
-          </a:p>
-          <a:p>
-            <a:pPr lvl="1"/>
-            <a:r>
-              <a:rPr lang="en-US" sz="2000" dirty="0"/>
-              <a:t> pre-vocalic voicing (example:  Matthew says “</a:t>
-            </a:r>
-            <a:r>
-              <a:rPr lang="en-US" sz="2000" b="1" dirty="0"/>
-              <a:t>b</a:t>
-            </a:r>
-            <a:r>
-              <a:rPr lang="en-US" sz="2000" dirty="0"/>
-              <a:t>ear” when he should say “</a:t>
-            </a:r>
-            <a:r>
-              <a:rPr lang="en-US" sz="2000" b="1" dirty="0"/>
-              <a:t>p</a:t>
-            </a:r>
-            <a:r>
-              <a:rPr lang="en-US" sz="2000" dirty="0"/>
-              <a:t>ear”) </a:t>
-            </a:r>
-          </a:p>
-          <a:p>
-            <a:pPr lvl="1"/>
-            <a:r>
-              <a:rPr lang="en-US" sz="2000" dirty="0"/>
-              <a:t>final cluster stop + fricative (example:  Matthew says “bat” when he should say “ba</a:t>
-            </a:r>
-            <a:r>
-              <a:rPr lang="en-US" sz="2000" b="1" dirty="0"/>
-              <a:t>ts</a:t>
-            </a:r>
-            <a:r>
-              <a:rPr lang="en-US" sz="2000" dirty="0"/>
-              <a:t>”). </a:t>
-            </a:r>
-          </a:p>
-        </p:txBody>
-      </p:sp>
-    </p:spTree>
-    <p:extLst>
-      <p:ext uri="{BB962C8B-B14F-4D97-AF65-F5344CB8AC3E}">
-        <p14:creationId xmlns:p14="http://schemas.microsoft.com/office/powerpoint/2010/main" val="127820683"/>
-      </p:ext>
-    </p:extLst>
-  </p:cSld>
-  <p:clrMapOvr>
-    <a:masterClrMapping/>
-  </p:clrMapOvr>
-</p:sld>
-</file>
-
 <file path=ppt/slides/slide5.xml><?xml version="1.0" encoding="utf-8"?>
 <p:sld xmlns:a="http://schemas.openxmlformats.org/drawingml/2006/main" xmlns:r="http://schemas.openxmlformats.org/officeDocument/2006/relationships" xmlns:p="http://schemas.openxmlformats.org/presentationml/2006/main">
   <p:cSld>
@@ -4456,50 +4414,128 @@
         </p:nvSpPr>
         <p:spPr/>
         <p:txBody>
+          <a:bodyPr/>
+          <a:lstStyle/>
+          <a:p>
+            <a:r>
+              <a:rPr lang="en-US" dirty="0"/>
+              <a:t>Speech- Sound Probes</a:t>
+            </a:r>
+          </a:p>
+        </p:txBody>
+      </p:sp>
+      <p:sp>
+        <p:nvSpPr>
+          <p:cNvPr id="3" name="Content Placeholder 2"/>
+          <p:cNvSpPr>
+            <a:spLocks noGrp="1"/>
+          </p:cNvSpPr>
+          <p:nvPr>
+            <p:ph idx="1"/>
+          </p:nvPr>
+        </p:nvSpPr>
+        <p:spPr>
+          <a:xfrm>
+            <a:off x="2152650" y="1390910"/>
+            <a:ext cx="7886700" cy="4874979"/>
+          </a:xfrm>
+        </p:spPr>
+        <p:txBody>
           <a:bodyPr>
-            <a:normAutofit fontScale="90000"/>
+            <a:normAutofit/>
           </a:bodyPr>
           <a:lstStyle/>
           <a:p>
             <a:r>
-              <a:rPr lang="en-US" b="1" dirty="0">
-                <a:solidFill>
-                  <a:srgbClr val="FF0000"/>
-                </a:solidFill>
-              </a:rPr>
-              <a:t>Activity #7:  Informal Measure:  Pre-Vocalic Voicing Probe</a:t>
-            </a:r>
-            <a:br>
-              <a:rPr lang="en-US" dirty="0"/>
-            </a:br>
-            <a:endParaRPr lang="en-US" dirty="0"/>
-          </a:p>
-        </p:txBody>
-      </p:sp>
-      <p:sp>
-        <p:nvSpPr>
-          <p:cNvPr id="4" name="Content Placeholder 3">
-            <a:extLst>
-              <a:ext uri="{FF2B5EF4-FFF2-40B4-BE49-F238E27FC236}">
-                <a16:creationId xmlns:a16="http://schemas.microsoft.com/office/drawing/2014/main" id="{BD9E09D0-8E90-A943-B5B8-9BA896148704}"/>
-              </a:ext>
-            </a:extLst>
-          </p:cNvPr>
-          <p:cNvSpPr>
-            <a:spLocks noGrp="1"/>
-          </p:cNvSpPr>
-          <p:nvPr>
-            <p:ph idx="1"/>
-          </p:nvPr>
-        </p:nvSpPr>
-        <p:spPr/>
-        <p:txBody>
-          <a:bodyPr/>
-          <a:lstStyle/>
-          <a:p>
-            <a:r>
-              <a:rPr lang="en-US" dirty="0"/>
-              <a:t>Video Title: SSD Matthew DX1 Pre-Vocalic Voicing </a:t>
+              <a:rPr lang="en-US" sz="2000" dirty="0"/>
+              <a:t>After scoring the DEAP, the SLPs administered 5 informal speech error probes to learn more about Matthew’s speech error patterns and determine baseline functioning.  </a:t>
+            </a:r>
+          </a:p>
+          <a:p>
+            <a:r>
+              <a:rPr lang="en-US" sz="2000" dirty="0"/>
+              <a:t>Due to time limitations, you will only be watching/scoring two speech error probes.  The results of the other three probes are as follows:</a:t>
+            </a:r>
+          </a:p>
+          <a:p>
+            <a:pPr lvl="1"/>
+            <a:r>
+              <a:rPr lang="en-US" sz="2000" dirty="0"/>
+              <a:t>r- cluster probe: 0/35 correct (0%)</a:t>
+            </a:r>
+          </a:p>
+          <a:p>
+            <a:pPr lvl="1"/>
+            <a:r>
+              <a:rPr lang="en-US" sz="2000" dirty="0"/>
+              <a:t>Stopping probe: 0/28 correct (0%)</a:t>
+            </a:r>
+          </a:p>
+          <a:p>
+            <a:pPr lvl="1"/>
+            <a:r>
+              <a:rPr lang="en-US" sz="2000" dirty="0"/>
+              <a:t>Initial </a:t>
+            </a:r>
+            <a:r>
+              <a:rPr lang="en-US" sz="2000" dirty="0" err="1"/>
+              <a:t>s+stop</a:t>
+            </a:r>
+            <a:r>
+              <a:rPr lang="en-US" sz="2000" dirty="0"/>
+              <a:t> and </a:t>
+            </a:r>
+            <a:r>
+              <a:rPr lang="en-US" sz="2000" dirty="0" err="1"/>
+              <a:t>s+nasal</a:t>
+            </a:r>
+            <a:r>
+              <a:rPr lang="en-US" sz="2000" dirty="0"/>
+              <a:t> probe: 0/35 correct (0%)</a:t>
+            </a:r>
+          </a:p>
+          <a:p>
+            <a:r>
+              <a:rPr lang="en-US" sz="2000" dirty="0"/>
+              <a:t>You will be watching the remaining two probes for:</a:t>
+            </a:r>
+          </a:p>
+          <a:p>
+            <a:pPr lvl="1"/>
+            <a:r>
+              <a:rPr lang="en-US" sz="2000" dirty="0"/>
+              <a:t> pre-vocalic voicing (example:  Matthew says “</a:t>
+            </a:r>
+            <a:r>
+              <a:rPr lang="en-US" sz="2000" b="1" dirty="0"/>
+              <a:t>b</a:t>
+            </a:r>
+            <a:r>
+              <a:rPr lang="en-US" sz="2000" dirty="0"/>
+              <a:t>ear” when he should say “</a:t>
+            </a:r>
+            <a:r>
+              <a:rPr lang="en-US" sz="2000" b="1" dirty="0"/>
+              <a:t>p</a:t>
+            </a:r>
+            <a:r>
+              <a:rPr lang="en-US" sz="2000" dirty="0"/>
+              <a:t>ear”) </a:t>
+            </a:r>
+          </a:p>
+          <a:p>
+            <a:pPr lvl="1"/>
+            <a:r>
+              <a:rPr lang="en-US" sz="2000" dirty="0"/>
+              <a:t>final cluster stop + fricative (example:  Matthew says “bat” when he should say “ba</a:t>
+            </a:r>
+            <a:r>
+              <a:rPr lang="en-US" sz="2000" b="1" dirty="0"/>
+              <a:t>ts</a:t>
+            </a:r>
+            <a:r>
+              <a:rPr lang="en-US" sz="2000" dirty="0"/>
+              <a:t>”). </a:t>
             </a:r>
           </a:p>
         </p:txBody>
@@ -4507,7 +4543,7 @@
     </p:spTree>
     <p:extLst>
       <p:ext uri="{BB962C8B-B14F-4D97-AF65-F5344CB8AC3E}">
-        <p14:creationId xmlns:p14="http://schemas.microsoft.com/office/powerpoint/2010/main" val="1041523862"/>
+        <p14:creationId xmlns:p14="http://schemas.microsoft.com/office/powerpoint/2010/main" val="127820683"/>
       </p:ext>
     </p:extLst>
   </p:cSld>
@@ -4536,6 +4572,96 @@
       </p:grpSpPr>
       <p:sp>
         <p:nvSpPr>
+          <p:cNvPr id="2" name="Title 1"/>
+          <p:cNvSpPr>
+            <a:spLocks noGrp="1"/>
+          </p:cNvSpPr>
+          <p:nvPr>
+            <p:ph type="title"/>
+          </p:nvPr>
+        </p:nvSpPr>
+        <p:spPr/>
+        <p:txBody>
+          <a:bodyPr>
+            <a:normAutofit fontScale="90000"/>
+          </a:bodyPr>
+          <a:lstStyle/>
+          <a:p>
+            <a:r>
+              <a:rPr lang="en-US" b="1" dirty="0">
+                <a:solidFill>
+                  <a:srgbClr val="FF0000"/>
+                </a:solidFill>
+              </a:rPr>
+              <a:t>Activity #7:  Informal Measure:  Pre-Vocalic Voicing Probe</a:t>
+            </a:r>
+            <a:br>
+              <a:rPr lang="en-US" dirty="0"/>
+            </a:br>
+            <a:endParaRPr lang="en-US" dirty="0"/>
+          </a:p>
+        </p:txBody>
+      </p:sp>
+      <p:sp>
+        <p:nvSpPr>
+          <p:cNvPr id="4" name="Content Placeholder 3">
+            <a:extLst>
+              <a:ext uri="{FF2B5EF4-FFF2-40B4-BE49-F238E27FC236}">
+                <a16:creationId xmlns:a16="http://schemas.microsoft.com/office/drawing/2014/main" id="{BD9E09D0-8E90-A943-B5B8-9BA896148704}"/>
+              </a:ext>
+            </a:extLst>
+          </p:cNvPr>
+          <p:cNvSpPr>
+            <a:spLocks noGrp="1"/>
+          </p:cNvSpPr>
+          <p:nvPr>
+            <p:ph idx="1"/>
+          </p:nvPr>
+        </p:nvSpPr>
+        <p:spPr/>
+        <p:txBody>
+          <a:bodyPr/>
+          <a:lstStyle/>
+          <a:p>
+            <a:r>
+              <a:rPr lang="en-US" dirty="0"/>
+              <a:t>Video Title: SSD Matthew DX1 Pre-Vocalic Voicing </a:t>
+            </a:r>
+          </a:p>
+        </p:txBody>
+      </p:sp>
+    </p:spTree>
+    <p:extLst>
+      <p:ext uri="{BB962C8B-B14F-4D97-AF65-F5344CB8AC3E}">
+        <p14:creationId xmlns:p14="http://schemas.microsoft.com/office/powerpoint/2010/main" val="1041523862"/>
+      </p:ext>
+    </p:extLst>
+  </p:cSld>
+  <p:clrMapOvr>
+    <a:masterClrMapping/>
+  </p:clrMapOvr>
+</p:sld>
+</file>
+
+<file path=ppt/slides/slide7.xml><?xml version="1.0" encoding="utf-8"?>
+<p:sld xmlns:a="http://schemas.openxmlformats.org/drawingml/2006/main" xmlns:r="http://schemas.openxmlformats.org/officeDocument/2006/relationships" xmlns:p="http://schemas.openxmlformats.org/presentationml/2006/main">
+  <p:cSld>
+    <p:spTree>
+      <p:nvGrpSpPr>
+        <p:cNvPr id="1" name=""/>
+        <p:cNvGrpSpPr/>
+        <p:nvPr/>
+      </p:nvGrpSpPr>
+      <p:grpSpPr>
+        <a:xfrm>
+          <a:off x="0" y="0"/>
+          <a:ext cx="0" cy="0"/>
+          <a:chOff x="0" y="0"/>
+          <a:chExt cx="0" cy="0"/>
+        </a:xfrm>
+      </p:grpSpPr>
+      <p:sp>
+        <p:nvSpPr>
           <p:cNvPr id="2" name="Rectangle 1">
             <a:extLst>
               <a:ext uri="{FF2B5EF4-FFF2-40B4-BE49-F238E27FC236}">
@@ -4801,7 +4927,7 @@
 </p:sld>
 </file>
 
-<file path=ppt/slides/slide7.xml><?xml version="1.0" encoding="utf-8"?>
+<file path=ppt/slides/slide8.xml><?xml version="1.0" encoding="utf-8"?>
 <p:sld xmlns:a="http://schemas.openxmlformats.org/drawingml/2006/main" xmlns:r="http://schemas.openxmlformats.org/officeDocument/2006/relationships" xmlns:p="http://schemas.openxmlformats.org/presentationml/2006/main">
   <p:cSld>
     <p:spTree>

--- a/slides/cds431_week3_1.pptx
+++ b/slides/cds431_week3_1.pptx
@@ -204,7 +204,7 @@
           <a:p>
             <a:fld id="{F01B0C5B-6AC4-4E44-99B5-271F1AF86AF6}" type="datetimeFigureOut">
               <a:rPr lang="en-US" smtClean="0"/>
-              <a:t>2/3/22</a:t>
+              <a:t>4/5/22</a:t>
             </a:fld>
             <a:endParaRPr lang="en-US"/>
           </a:p>
@@ -894,7 +894,7 @@
           <a:p>
             <a:fld id="{015D8EB0-2C7B-B347-A87E-0659F0F91EA4}" type="datetimeFigureOut">
               <a:rPr lang="en-US" smtClean="0"/>
-              <a:t>2/3/22</a:t>
+              <a:t>4/5/22</a:t>
             </a:fld>
             <a:endParaRPr lang="en-US"/>
           </a:p>
@@ -1092,7 +1092,7 @@
           <a:p>
             <a:fld id="{015D8EB0-2C7B-B347-A87E-0659F0F91EA4}" type="datetimeFigureOut">
               <a:rPr lang="en-US" smtClean="0"/>
-              <a:t>2/3/22</a:t>
+              <a:t>4/5/22</a:t>
             </a:fld>
             <a:endParaRPr lang="en-US"/>
           </a:p>
@@ -1300,7 +1300,7 @@
           <a:p>
             <a:fld id="{015D8EB0-2C7B-B347-A87E-0659F0F91EA4}" type="datetimeFigureOut">
               <a:rPr lang="en-US" smtClean="0"/>
-              <a:t>2/3/22</a:t>
+              <a:t>4/5/22</a:t>
             </a:fld>
             <a:endParaRPr lang="en-US"/>
           </a:p>
@@ -1498,7 +1498,7 @@
           <a:p>
             <a:fld id="{015D8EB0-2C7B-B347-A87E-0659F0F91EA4}" type="datetimeFigureOut">
               <a:rPr lang="en-US" smtClean="0"/>
-              <a:t>2/3/22</a:t>
+              <a:t>4/5/22</a:t>
             </a:fld>
             <a:endParaRPr lang="en-US"/>
           </a:p>
@@ -1773,7 +1773,7 @@
           <a:p>
             <a:fld id="{015D8EB0-2C7B-B347-A87E-0659F0F91EA4}" type="datetimeFigureOut">
               <a:rPr lang="en-US" smtClean="0"/>
-              <a:t>2/3/22</a:t>
+              <a:t>4/5/22</a:t>
             </a:fld>
             <a:endParaRPr lang="en-US"/>
           </a:p>
@@ -2038,7 +2038,7 @@
           <a:p>
             <a:fld id="{015D8EB0-2C7B-B347-A87E-0659F0F91EA4}" type="datetimeFigureOut">
               <a:rPr lang="en-US" smtClean="0"/>
-              <a:t>2/3/22</a:t>
+              <a:t>4/5/22</a:t>
             </a:fld>
             <a:endParaRPr lang="en-US"/>
           </a:p>
@@ -2450,7 +2450,7 @@
           <a:p>
             <a:fld id="{015D8EB0-2C7B-B347-A87E-0659F0F91EA4}" type="datetimeFigureOut">
               <a:rPr lang="en-US" smtClean="0"/>
-              <a:t>2/3/22</a:t>
+              <a:t>4/5/22</a:t>
             </a:fld>
             <a:endParaRPr lang="en-US"/>
           </a:p>
@@ -2591,7 +2591,7 @@
           <a:p>
             <a:fld id="{015D8EB0-2C7B-B347-A87E-0659F0F91EA4}" type="datetimeFigureOut">
               <a:rPr lang="en-US" smtClean="0"/>
-              <a:t>2/3/22</a:t>
+              <a:t>4/5/22</a:t>
             </a:fld>
             <a:endParaRPr lang="en-US"/>
           </a:p>
@@ -2704,7 +2704,7 @@
           <a:p>
             <a:fld id="{015D8EB0-2C7B-B347-A87E-0659F0F91EA4}" type="datetimeFigureOut">
               <a:rPr lang="en-US" smtClean="0"/>
-              <a:t>2/3/22</a:t>
+              <a:t>4/5/22</a:t>
             </a:fld>
             <a:endParaRPr lang="en-US"/>
           </a:p>
@@ -3015,7 +3015,7 @@
           <a:p>
             <a:fld id="{015D8EB0-2C7B-B347-A87E-0659F0F91EA4}" type="datetimeFigureOut">
               <a:rPr lang="en-US" smtClean="0"/>
-              <a:t>2/3/22</a:t>
+              <a:t>4/5/22</a:t>
             </a:fld>
             <a:endParaRPr lang="en-US"/>
           </a:p>
@@ -3303,7 +3303,7 @@
           <a:p>
             <a:fld id="{015D8EB0-2C7B-B347-A87E-0659F0F91EA4}" type="datetimeFigureOut">
               <a:rPr lang="en-US" smtClean="0"/>
-              <a:t>2/3/22</a:t>
+              <a:t>4/5/22</a:t>
             </a:fld>
             <a:endParaRPr lang="en-US"/>
           </a:p>
@@ -3574,7 +3574,7 @@
           <a:p>
             <a:fld id="{015D8EB0-2C7B-B347-A87E-0659F0F91EA4}" type="datetimeFigureOut">
               <a:rPr lang="en-US" smtClean="0"/>
-              <a:t>2/3/22</a:t>
+              <a:t>4/5/22</a:t>
             </a:fld>
             <a:endParaRPr lang="en-US"/>
           </a:p>
@@ -4969,6 +4969,13 @@
               <a:rPr lang="en-US" dirty="0"/>
               <a:t>Video Title: SSD 2 Matthew DX1 Final Cluster Stop plus Fricative Probe</a:t>
             </a:r>
+          </a:p>
+          <a:p>
+            <a:r>
+              <a:rPr lang="en-US"/>
+              <a:t>Add more videos for sound probes </a:t>
+            </a:r>
+            <a:endParaRPr lang="en-US" dirty="0"/>
           </a:p>
         </p:txBody>
       </p:sp>

--- a/slides/cds431_week3_1.pptx
+++ b/slides/cds431_week3_1.pptx
@@ -204,7 +204,7 @@
           <a:p>
             <a:fld id="{F01B0C5B-6AC4-4E44-99B5-271F1AF86AF6}" type="datetimeFigureOut">
               <a:rPr lang="en-US" smtClean="0"/>
-              <a:t>4/5/22</a:t>
+              <a:t>4/7/22</a:t>
             </a:fld>
             <a:endParaRPr lang="en-US"/>
           </a:p>
@@ -894,7 +894,7 @@
           <a:p>
             <a:fld id="{015D8EB0-2C7B-B347-A87E-0659F0F91EA4}" type="datetimeFigureOut">
               <a:rPr lang="en-US" smtClean="0"/>
-              <a:t>4/5/22</a:t>
+              <a:t>4/7/22</a:t>
             </a:fld>
             <a:endParaRPr lang="en-US"/>
           </a:p>
@@ -1092,7 +1092,7 @@
           <a:p>
             <a:fld id="{015D8EB0-2C7B-B347-A87E-0659F0F91EA4}" type="datetimeFigureOut">
               <a:rPr lang="en-US" smtClean="0"/>
-              <a:t>4/5/22</a:t>
+              <a:t>4/7/22</a:t>
             </a:fld>
             <a:endParaRPr lang="en-US"/>
           </a:p>
@@ -1300,7 +1300,7 @@
           <a:p>
             <a:fld id="{015D8EB0-2C7B-B347-A87E-0659F0F91EA4}" type="datetimeFigureOut">
               <a:rPr lang="en-US" smtClean="0"/>
-              <a:t>4/5/22</a:t>
+              <a:t>4/7/22</a:t>
             </a:fld>
             <a:endParaRPr lang="en-US"/>
           </a:p>
@@ -1498,7 +1498,7 @@
           <a:p>
             <a:fld id="{015D8EB0-2C7B-B347-A87E-0659F0F91EA4}" type="datetimeFigureOut">
               <a:rPr lang="en-US" smtClean="0"/>
-              <a:t>4/5/22</a:t>
+              <a:t>4/7/22</a:t>
             </a:fld>
             <a:endParaRPr lang="en-US"/>
           </a:p>
@@ -1773,7 +1773,7 @@
           <a:p>
             <a:fld id="{015D8EB0-2C7B-B347-A87E-0659F0F91EA4}" type="datetimeFigureOut">
               <a:rPr lang="en-US" smtClean="0"/>
-              <a:t>4/5/22</a:t>
+              <a:t>4/7/22</a:t>
             </a:fld>
             <a:endParaRPr lang="en-US"/>
           </a:p>
@@ -2038,7 +2038,7 @@
           <a:p>
             <a:fld id="{015D8EB0-2C7B-B347-A87E-0659F0F91EA4}" type="datetimeFigureOut">
               <a:rPr lang="en-US" smtClean="0"/>
-              <a:t>4/5/22</a:t>
+              <a:t>4/7/22</a:t>
             </a:fld>
             <a:endParaRPr lang="en-US"/>
           </a:p>
@@ -2450,7 +2450,7 @@
           <a:p>
             <a:fld id="{015D8EB0-2C7B-B347-A87E-0659F0F91EA4}" type="datetimeFigureOut">
               <a:rPr lang="en-US" smtClean="0"/>
-              <a:t>4/5/22</a:t>
+              <a:t>4/7/22</a:t>
             </a:fld>
             <a:endParaRPr lang="en-US"/>
           </a:p>
@@ -2591,7 +2591,7 @@
           <a:p>
             <a:fld id="{015D8EB0-2C7B-B347-A87E-0659F0F91EA4}" type="datetimeFigureOut">
               <a:rPr lang="en-US" smtClean="0"/>
-              <a:t>4/5/22</a:t>
+              <a:t>4/7/22</a:t>
             </a:fld>
             <a:endParaRPr lang="en-US"/>
           </a:p>
@@ -2704,7 +2704,7 @@
           <a:p>
             <a:fld id="{015D8EB0-2C7B-B347-A87E-0659F0F91EA4}" type="datetimeFigureOut">
               <a:rPr lang="en-US" smtClean="0"/>
-              <a:t>4/5/22</a:t>
+              <a:t>4/7/22</a:t>
             </a:fld>
             <a:endParaRPr lang="en-US"/>
           </a:p>
@@ -3015,7 +3015,7 @@
           <a:p>
             <a:fld id="{015D8EB0-2C7B-B347-A87E-0659F0F91EA4}" type="datetimeFigureOut">
               <a:rPr lang="en-US" smtClean="0"/>
-              <a:t>4/5/22</a:t>
+              <a:t>4/7/22</a:t>
             </a:fld>
             <a:endParaRPr lang="en-US"/>
           </a:p>
@@ -3303,7 +3303,7 @@
           <a:p>
             <a:fld id="{015D8EB0-2C7B-B347-A87E-0659F0F91EA4}" type="datetimeFigureOut">
               <a:rPr lang="en-US" smtClean="0"/>
-              <a:t>4/5/22</a:t>
+              <a:t>4/7/22</a:t>
             </a:fld>
             <a:endParaRPr lang="en-US"/>
           </a:p>
@@ -3574,7 +3574,7 @@
           <a:p>
             <a:fld id="{015D8EB0-2C7B-B347-A87E-0659F0F91EA4}" type="datetimeFigureOut">
               <a:rPr lang="en-US" smtClean="0"/>
-              <a:t>4/5/22</a:t>
+              <a:t>4/7/22</a:t>
             </a:fld>
             <a:endParaRPr lang="en-US"/>
           </a:p>
@@ -4192,6 +4192,59 @@
           </a:prstGeom>
         </p:spPr>
       </p:pic>
+      <p:sp>
+        <p:nvSpPr>
+          <p:cNvPr id="3" name="TextBox 2">
+            <a:extLst>
+              <a:ext uri="{FF2B5EF4-FFF2-40B4-BE49-F238E27FC236}">
+                <a16:creationId xmlns:a16="http://schemas.microsoft.com/office/drawing/2014/main" id="{83C8024E-5604-9E4B-8312-513E3D2D3DA8}"/>
+              </a:ext>
+            </a:extLst>
+          </p:cNvPr>
+          <p:cNvSpPr txBox="1"/>
+          <p:nvPr/>
+        </p:nvSpPr>
+        <p:spPr>
+          <a:xfrm>
+            <a:off x="160021" y="1028700"/>
+            <a:ext cx="2379530" cy="3693319"/>
+          </a:xfrm>
+          <a:prstGeom prst="rect">
+            <a:avLst/>
+          </a:prstGeom>
+          <a:noFill/>
+        </p:spPr>
+        <p:txBody>
+          <a:bodyPr wrap="square" rtlCol="0">
+            <a:spAutoFit/>
+          </a:bodyPr>
+          <a:lstStyle/>
+          <a:p>
+            <a:r>
+              <a:rPr lang="en-US" dirty="0"/>
+              <a:t>Discussion Questions:</a:t>
+            </a:r>
+          </a:p>
+          <a:p>
+            <a:r>
+              <a:rPr lang="en-US" dirty="0"/>
+              <a:t>1.) What scores did Matthew obtain?</a:t>
+            </a:r>
+          </a:p>
+          <a:p>
+            <a:r>
+              <a:rPr lang="en-US" dirty="0"/>
+              <a:t>2.) What phonological patterns were identified and how frequent were they?</a:t>
+            </a:r>
+          </a:p>
+          <a:p>
+            <a:r>
+              <a:rPr lang="en-US" dirty="0"/>
+              <a:t>3.) Clinician behavior discussion: balance of keeping child engaged while tracking responses accurately and consistently</a:t>
+            </a:r>
+          </a:p>
+        </p:txBody>
+      </p:sp>
     </p:spTree>
     <p:extLst>
       <p:ext uri="{BB962C8B-B14F-4D97-AF65-F5344CB8AC3E}">
@@ -4281,6 +4334,36 @@
             <a:r>
               <a:rPr lang="en-US" dirty="0"/>
               <a:t>Video Title: SSD 6 Matthew DX1 CELF-P2</a:t>
+            </a:r>
+          </a:p>
+          <a:p>
+            <a:endParaRPr lang="en-US" dirty="0"/>
+          </a:p>
+          <a:p>
+            <a:r>
+              <a:rPr lang="en-US" dirty="0"/>
+              <a:t>Discussion questions:</a:t>
+            </a:r>
+          </a:p>
+          <a:p>
+            <a:pPr lvl="1"/>
+            <a:r>
+              <a:rPr lang="en-US" dirty="0"/>
+              <a:t>What kind of task is this? Expressive or receptive?</a:t>
+            </a:r>
+          </a:p>
+          <a:p>
+            <a:pPr lvl="1"/>
+            <a:r>
+              <a:rPr lang="en-US" dirty="0"/>
+              <a:t>How does Matthew appear to be doing on this subtest?</a:t>
+            </a:r>
+          </a:p>
+          <a:p>
+            <a:pPr lvl="1"/>
+            <a:r>
+              <a:rPr lang="en-US" dirty="0"/>
+              <a:t>Activity 6 will focus on interpretation of expressive language subtest. </a:t>
             </a:r>
           </a:p>
         </p:txBody>
@@ -4454,14 +4537,7 @@
           <a:p>
             <a:r>
               <a:rPr lang="en-US" sz="2000" dirty="0"/>
-              <a:t>Due to time limitations, you will only be watching/scoring two speech error probes.  The results of the other three probes are as follows:</a:t>
-            </a:r>
-          </a:p>
-          <a:p>
-            <a:pPr lvl="1"/>
-            <a:r>
-              <a:rPr lang="en-US" sz="2000" dirty="0"/>
-              <a:t>r- cluster probe: 0/35 correct (0%)</a:t>
+              <a:t>Due to time limitations, you will only be watching/scoring two speech error probes.  The results of the other two probes are as follows:</a:t>
             </a:r>
           </a:p>
           <a:p>
@@ -4628,6 +4704,26 @@
               <a:t>Video Title: SSD Matthew DX1 Pre-Vocalic Voicing </a:t>
             </a:r>
           </a:p>
+          <a:p>
+            <a:endParaRPr lang="en-US" dirty="0"/>
+          </a:p>
+          <a:p>
+            <a:r>
+              <a:rPr lang="en-US" dirty="0"/>
+              <a:t>Discussion question:</a:t>
+            </a:r>
+          </a:p>
+          <a:p>
+            <a:pPr lvl="1"/>
+            <a:r>
+              <a:rPr lang="en-US" dirty="0"/>
+              <a:t>What is the clinician doing to prompt the target word?</a:t>
+            </a:r>
+          </a:p>
+          <a:p>
+            <a:pPr lvl="1"/>
+            <a:endParaRPr lang="en-US" dirty="0"/>
+          </a:p>
         </p:txBody>
       </p:sp>
     </p:spTree>
@@ -4914,6 +5010,83 @@
           </a:p>
         </p:txBody>
       </p:sp>
+      <p:sp>
+        <p:nvSpPr>
+          <p:cNvPr id="4" name="TextBox 3">
+            <a:extLst>
+              <a:ext uri="{FF2B5EF4-FFF2-40B4-BE49-F238E27FC236}">
+                <a16:creationId xmlns:a16="http://schemas.microsoft.com/office/drawing/2014/main" id="{2954C844-DFB2-5D4C-A76A-7ADEDA3FD32C}"/>
+              </a:ext>
+            </a:extLst>
+          </p:cNvPr>
+          <p:cNvSpPr txBox="1"/>
+          <p:nvPr/>
+        </p:nvSpPr>
+        <p:spPr>
+          <a:xfrm>
+            <a:off x="217171" y="1817370"/>
+            <a:ext cx="1360170" cy="2031325"/>
+          </a:xfrm>
+          <a:prstGeom prst="rect">
+            <a:avLst/>
+          </a:prstGeom>
+          <a:noFill/>
+        </p:spPr>
+        <p:txBody>
+          <a:bodyPr wrap="square" rtlCol="0">
+            <a:spAutoFit/>
+          </a:bodyPr>
+          <a:lstStyle/>
+          <a:p>
+            <a:r>
+              <a:rPr lang="en-US" dirty="0"/>
+              <a:t>Video Title: SSD Matthew DX2 Final cluster plus fricative</a:t>
+            </a:r>
+          </a:p>
+          <a:p>
+            <a:endParaRPr lang="en-US" dirty="0"/>
+          </a:p>
+        </p:txBody>
+      </p:sp>
+      <p:sp>
+        <p:nvSpPr>
+          <p:cNvPr id="5" name="TextBox 4">
+            <a:extLst>
+              <a:ext uri="{FF2B5EF4-FFF2-40B4-BE49-F238E27FC236}">
+                <a16:creationId xmlns:a16="http://schemas.microsoft.com/office/drawing/2014/main" id="{3567900C-54C2-B84B-AA8C-6C6EB9CCF89A}"/>
+              </a:ext>
+            </a:extLst>
+          </p:cNvPr>
+          <p:cNvSpPr txBox="1"/>
+          <p:nvPr/>
+        </p:nvSpPr>
+        <p:spPr>
+          <a:xfrm>
+            <a:off x="10313841" y="2320290"/>
+            <a:ext cx="1718139" cy="2862322"/>
+          </a:xfrm>
+          <a:prstGeom prst="rect">
+            <a:avLst/>
+          </a:prstGeom>
+          <a:noFill/>
+        </p:spPr>
+        <p:txBody>
+          <a:bodyPr wrap="square" rtlCol="0">
+            <a:spAutoFit/>
+          </a:bodyPr>
+          <a:lstStyle/>
+          <a:p>
+            <a:r>
+              <a:rPr lang="en-US" dirty="0">
+                <a:solidFill>
+                  <a:srgbClr val="FF0000"/>
+                </a:solidFill>
+              </a:rPr>
+              <a:t>Discussion question: Why do we complete these deep informal probes if we’ve already administered the standardized DEAP?</a:t>
+            </a:r>
+          </a:p>
+        </p:txBody>
+      </p:sp>
     </p:spTree>
     <p:extLst>
       <p:ext uri="{BB962C8B-B14F-4D97-AF65-F5344CB8AC3E}">
@@ -4967,15 +5140,38 @@
           <a:p>
             <a:r>
               <a:rPr lang="en-US" dirty="0"/>
-              <a:t>Video Title: SSD 2 Matthew DX1 Final Cluster Stop plus Fricative Probe</a:t>
-            </a:r>
-          </a:p>
-          <a:p>
-            <a:r>
-              <a:rPr lang="en-US"/>
-              <a:t>Add more videos for sound probes </a:t>
-            </a:r>
-            <a:endParaRPr lang="en-US" dirty="0"/>
+              <a:t>Add more probe videos if there’s time: </a:t>
+            </a:r>
+          </a:p>
+          <a:p>
+            <a:pPr lvl="1"/>
+            <a:r>
+              <a:rPr lang="en-US" dirty="0"/>
+              <a:t>Stopping probe: SSD 10</a:t>
+            </a:r>
+          </a:p>
+          <a:p>
+            <a:pPr lvl="1"/>
+            <a:r>
+              <a:rPr lang="en-US" dirty="0"/>
+              <a:t>Initial </a:t>
+            </a:r>
+            <a:r>
+              <a:rPr lang="en-US" dirty="0" err="1"/>
+              <a:t>s+stop</a:t>
+            </a:r>
+            <a:r>
+              <a:rPr lang="en-US" dirty="0"/>
+              <a:t> and </a:t>
+            </a:r>
+            <a:r>
+              <a:rPr lang="en-US" dirty="0" err="1"/>
+              <a:t>s+nasal</a:t>
+            </a:r>
+            <a:r>
+              <a:rPr lang="en-US" dirty="0"/>
+              <a:t> probe: SSD 5</a:t>
+            </a:r>
           </a:p>
         </p:txBody>
       </p:sp>
